--- a/002_Cognizant_Artificial_Intelligence/3_Model_Building_and_Interpretation/communication/model_interpretation.pptx
+++ b/002_Cognizant_Artificial_Intelligence/3_Model_Building_and_Interpretation/communication/model_interpretation.pptx
@@ -3581,6 +3581,83 @@
           </a:p>
         </p:txBody>
       </p:sp>
+      <p:sp>
+        <p:nvSpPr>
+          <p:cNvPr id="11" name="TextBox 10">
+            <a:extLst>
+              <a:ext uri="{FF2B5EF4-FFF2-40B4-BE49-F238E27FC236}">
+                <a16:creationId xmlns:a16="http://schemas.microsoft.com/office/drawing/2014/main" id="{1B371F55-1428-C0CB-39CD-C233F8E43B55}"/>
+              </a:ext>
+            </a:extLst>
+          </p:cNvPr>
+          <p:cNvSpPr txBox="1"/>
+          <p:nvPr/>
+        </p:nvSpPr>
+        <p:spPr>
+          <a:xfrm>
+            <a:off x="6096000" y="2844223"/>
+            <a:ext cx="5566611" cy="1200329"/>
+          </a:xfrm>
+          <a:prstGeom prst="rect">
+            <a:avLst/>
+          </a:prstGeom>
+          <a:noFill/>
+        </p:spPr>
+        <p:txBody>
+          <a:bodyPr wrap="square">
+            <a:spAutoFit/>
+          </a:bodyPr>
+          <a:lstStyle/>
+          <a:p>
+            <a:r>
+              <a:rPr lang="en-US" b="1" dirty="0"/>
+              <a:t>Important Features</a:t>
+            </a:r>
+            <a:endParaRPr lang="en-US" sz="1800" b="1" dirty="0"/>
+          </a:p>
+          <a:p>
+            <a:pPr marL="171450" indent="-171450">
+              <a:buClr>
+                <a:schemeClr val="accent1"/>
+              </a:buClr>
+              <a:buSzPct val="130000"/>
+              <a:buFont typeface="Arial" panose="020B0604020202020204" pitchFamily="34" charset="0"/>
+              <a:buChar char="•"/>
+            </a:pPr>
+            <a:r>
+              <a:rPr lang="en-US" b="1" dirty="0"/>
+              <a:t>Unit Price </a:t>
+            </a:r>
+            <a:r>
+              <a:rPr lang="en-US" dirty="0"/>
+              <a:t>is the most important feature for predicting stock level</a:t>
+            </a:r>
+          </a:p>
+          <a:p>
+            <a:pPr marL="171450" indent="-171450">
+              <a:buClr>
+                <a:schemeClr val="accent1"/>
+              </a:buClr>
+              <a:buSzPct val="130000"/>
+              <a:buFont typeface="Arial" panose="020B0604020202020204" pitchFamily="34" charset="0"/>
+              <a:buChar char="•"/>
+            </a:pPr>
+            <a:r>
+              <a:rPr lang="en-US" b="1" dirty="0" err="1"/>
+              <a:t>Tmperature</a:t>
+            </a:r>
+            <a:r>
+              <a:rPr lang="en-US" b="1" dirty="0"/>
+              <a:t>, hour of the day </a:t>
+            </a:r>
+            <a:r>
+              <a:rPr lang="en-US" b="1"/>
+              <a:t>and quality</a:t>
+            </a:r>
+            <a:endParaRPr lang="en-US" b="1" dirty="0"/>
+          </a:p>
+        </p:txBody>
+      </p:sp>
     </p:spTree>
     <p:extLst>
       <p:ext uri="{BB962C8B-B14F-4D97-AF65-F5344CB8AC3E}">

--- a/002_Cognizant_Artificial_Intelligence/3_Model_Building_and_Interpretation/communication/model_interpretation.pptx
+++ b/002_Cognizant_Artificial_Intelligence/3_Model_Building_and_Interpretation/communication/model_interpretation.pptx
@@ -3595,8 +3595,8 @@
         </p:nvSpPr>
         <p:spPr>
           <a:xfrm>
-            <a:off x="6096000" y="2844223"/>
-            <a:ext cx="5566611" cy="1200329"/>
+            <a:off x="6095999" y="2623428"/>
+            <a:ext cx="5566611" cy="1754326"/>
           </a:xfrm>
           <a:prstGeom prst="rect">
             <a:avLst/>
@@ -3643,18 +3643,103 @@
               <a:buChar char="•"/>
             </a:pPr>
             <a:r>
-              <a:rPr lang="en-US" b="1" dirty="0" err="1"/>
-              <a:t>Tmperature</a:t>
-            </a:r>
-            <a:r>
               <a:rPr lang="en-US" b="1" dirty="0"/>
-              <a:t>, hour of the day </a:t>
-            </a:r>
-            <a:r>
-              <a:rPr lang="en-US" b="1"/>
-              <a:t>and quality</a:t>
-            </a:r>
-            <a:endParaRPr lang="en-US" b="1" dirty="0"/>
+              <a:t>Temperature, hour of the day </a:t>
+            </a:r>
+            <a:r>
+              <a:rPr lang="en-US" dirty="0"/>
+              <a:t>and</a:t>
+            </a:r>
+            <a:r>
+              <a:rPr lang="en-US" b="1" dirty="0"/>
+              <a:t> quality </a:t>
+            </a:r>
+            <a:r>
+              <a:rPr lang="en-US" dirty="0"/>
+              <a:t>are also important.</a:t>
+            </a:r>
+          </a:p>
+          <a:p>
+            <a:pPr marL="171450" indent="-171450">
+              <a:buClr>
+                <a:schemeClr val="accent1"/>
+              </a:buClr>
+              <a:buSzPct val="130000"/>
+              <a:buFont typeface="Arial" panose="020B0604020202020204" pitchFamily="34" charset="0"/>
+              <a:buChar char="•"/>
+            </a:pPr>
+            <a:r>
+              <a:rPr lang="en-US" dirty="0"/>
+              <a:t> The product categories were not important</a:t>
+            </a:r>
+          </a:p>
+        </p:txBody>
+      </p:sp>
+      <p:sp>
+        <p:nvSpPr>
+          <p:cNvPr id="12" name="TextBox 11">
+            <a:extLst>
+              <a:ext uri="{FF2B5EF4-FFF2-40B4-BE49-F238E27FC236}">
+                <a16:creationId xmlns:a16="http://schemas.microsoft.com/office/drawing/2014/main" id="{B10971EA-82E6-AFCC-A69C-59D6185BF4BD}"/>
+              </a:ext>
+            </a:extLst>
+          </p:cNvPr>
+          <p:cNvSpPr txBox="1"/>
+          <p:nvPr/>
+        </p:nvSpPr>
+        <p:spPr>
+          <a:xfrm>
+            <a:off x="6095999" y="4622674"/>
+            <a:ext cx="5566611" cy="923330"/>
+          </a:xfrm>
+          <a:prstGeom prst="rect">
+            <a:avLst/>
+          </a:prstGeom>
+          <a:noFill/>
+        </p:spPr>
+        <p:txBody>
+          <a:bodyPr wrap="square">
+            <a:spAutoFit/>
+          </a:bodyPr>
+          <a:lstStyle/>
+          <a:p>
+            <a:r>
+              <a:rPr lang="en-US" sz="1800" b="1" dirty="0"/>
+              <a:t>Recommendation</a:t>
+            </a:r>
+          </a:p>
+          <a:p>
+            <a:pPr marL="171450" indent="-171450">
+              <a:buClr>
+                <a:schemeClr val="accent1"/>
+              </a:buClr>
+              <a:buSzPct val="130000"/>
+              <a:buFont typeface="Arial" panose="020B0604020202020204" pitchFamily="34" charset="0"/>
+              <a:buChar char="•"/>
+            </a:pPr>
+            <a:r>
+              <a:rPr lang="en-US" dirty="0"/>
+              <a:t>Further feature Engineering</a:t>
+            </a:r>
+          </a:p>
+          <a:p>
+            <a:pPr marL="171450" indent="-171450">
+              <a:buClr>
+                <a:schemeClr val="accent1"/>
+              </a:buClr>
+              <a:buSzPct val="130000"/>
+              <a:buFont typeface="Arial" panose="020B0604020202020204" pitchFamily="34" charset="0"/>
+              <a:buChar char="•"/>
+            </a:pPr>
+            <a:r>
+              <a:rPr lang="en-US" dirty="0"/>
+              <a:t>More dataset needs to </a:t>
+            </a:r>
+            <a:r>
+              <a:rPr lang="en-US"/>
+              <a:t>be added</a:t>
+            </a:r>
+            <a:endParaRPr lang="en-US" dirty="0"/>
           </a:p>
         </p:txBody>
       </p:sp>

--- a/002_Cognizant_Artificial_Intelligence/3_Model_Building_and_Interpretation/communication/model_interpretation.pptx
+++ b/002_Cognizant_Artificial_Intelligence/3_Model_Building_and_Interpretation/communication/model_interpretation.pptx
@@ -3491,7 +3491,7 @@
         <p:spPr>
           <a:xfrm>
             <a:off x="6096000" y="743635"/>
-            <a:ext cx="5566611" cy="1754326"/>
+            <a:ext cx="5566611" cy="1846659"/>
           </a:xfrm>
           <a:prstGeom prst="rect">
             <a:avLst/>
@@ -3505,7 +3505,7 @@
           <a:lstStyle/>
           <a:p>
             <a:r>
-              <a:rPr lang="en-US" sz="1800" b="1" dirty="0"/>
+              <a:rPr lang="en-US" sz="2400" b="1" dirty="0"/>
               <a:t>Model Performance</a:t>
             </a:r>
           </a:p>
@@ -3595,8 +3595,8 @@
         </p:nvSpPr>
         <p:spPr>
           <a:xfrm>
-            <a:off x="6095999" y="2623428"/>
-            <a:ext cx="5566611" cy="1754326"/>
+            <a:off x="6095999" y="2925751"/>
+            <a:ext cx="5566611" cy="1846659"/>
           </a:xfrm>
           <a:prstGeom prst="rect">
             <a:avLst/>
@@ -3610,10 +3610,9 @@
           <a:lstStyle/>
           <a:p>
             <a:r>
-              <a:rPr lang="en-US" b="1" dirty="0"/>
+              <a:rPr lang="en-US" sz="2400" b="1" dirty="0"/>
               <a:t>Important Features</a:t>
             </a:r>
-            <a:endParaRPr lang="en-US" sz="1800" b="1" dirty="0"/>
           </a:p>
           <a:p>
             <a:pPr marL="171450" indent="-171450">
@@ -3689,8 +3688,8 @@
         </p:nvSpPr>
         <p:spPr>
           <a:xfrm>
-            <a:off x="6095999" y="4622674"/>
-            <a:ext cx="5566611" cy="923330"/>
+            <a:off x="6095998" y="5107866"/>
+            <a:ext cx="5566611" cy="1015663"/>
           </a:xfrm>
           <a:prstGeom prst="rect">
             <a:avLst/>
@@ -3704,7 +3703,7 @@
           <a:lstStyle/>
           <a:p>
             <a:r>
-              <a:rPr lang="en-US" sz="1800" b="1" dirty="0"/>
+              <a:rPr lang="en-US" sz="2400" b="1" dirty="0"/>
               <a:t>Recommendation</a:t>
             </a:r>
           </a:p>
@@ -3733,13 +3732,8 @@
             </a:pPr>
             <a:r>
               <a:rPr lang="en-US" dirty="0"/>
-              <a:t>More dataset needs to </a:t>
-            </a:r>
-            <a:r>
-              <a:rPr lang="en-US"/>
-              <a:t>be added</a:t>
-            </a:r>
-            <a:endParaRPr lang="en-US" dirty="0"/>
+              <a:t>More dataset needs to be added</a:t>
+            </a:r>
           </a:p>
         </p:txBody>
       </p:sp>
